--- a/presentation/SkyhookDM.pptx
+++ b/presentation/SkyhookDM.pptx
@@ -5,7 +5,7 @@
     <p:sldMasterId id="2147483648" r:id="rId4"/>
   </p:sldMasterIdLst>
   <p:notesMasterIdLst>
-    <p:notesMasterId r:id="rId21"/>
+    <p:notesMasterId r:id="rId22"/>
   </p:notesMasterIdLst>
   <p:sldIdLst>
     <p:sldId id="256" r:id="rId5"/>
@@ -22,30 +22,31 @@
     <p:sldId id="296" r:id="rId16"/>
     <p:sldId id="304" r:id="rId17"/>
     <p:sldId id="307" r:id="rId18"/>
-    <p:sldId id="297" r:id="rId19"/>
-    <p:sldId id="305" r:id="rId20"/>
+    <p:sldId id="308" r:id="rId19"/>
+    <p:sldId id="297" r:id="rId20"/>
+    <p:sldId id="305" r:id="rId21"/>
   </p:sldIdLst>
   <p:sldSz cx="12192000" cy="6858000"/>
   <p:notesSz cx="6858000" cy="9144000"/>
   <p:embeddedFontLst>
     <p:embeddedFont>
-      <p:font typeface="lato" panose="020F0502020204030203" pitchFamily="34" charset="0"/>
-      <p:regular r:id="rId22"/>
-      <p:bold r:id="rId23"/>
-      <p:italic r:id="rId24"/>
-      <p:boldItalic r:id="rId25"/>
+      <p:font typeface="lato" panose="020B0600000101010101" charset="0"/>
+      <p:regular r:id="rId23"/>
+      <p:bold r:id="rId24"/>
+      <p:italic r:id="rId25"/>
+      <p:boldItalic r:id="rId26"/>
     </p:embeddedFont>
     <p:embeddedFont>
-      <p:font typeface="roboto" panose="02000000000000000000" pitchFamily="2" charset="0"/>
-      <p:regular r:id="rId26"/>
-      <p:bold r:id="rId27"/>
-      <p:italic r:id="rId28"/>
-      <p:boldItalic r:id="rId29"/>
+      <p:font typeface="roboto" panose="020B0600000101010101" charset="0"/>
+      <p:regular r:id="rId27"/>
+      <p:bold r:id="rId28"/>
+      <p:italic r:id="rId29"/>
+      <p:boldItalic r:id="rId30"/>
     </p:embeddedFont>
     <p:embeddedFont>
       <p:font typeface="맑은 고딕" panose="020B0503020000020004" pitchFamily="50" charset="-127"/>
-      <p:regular r:id="rId30"/>
-      <p:bold r:id="rId31"/>
+      <p:regular r:id="rId31"/>
+      <p:bold r:id="rId32"/>
     </p:embeddedFont>
   </p:embeddedFontLst>
   <p:kinsoku lang="ko-KR" invalStChars="、。，．：；？！’”）〕］｝〉》」』】°℃％!%￠),.:;?]}&gt;" invalEndChars="‘“（〔［｛〈《「『【￥＄\￦￡€([{&lt;$"/>
@@ -889,6 +890,90 @@
     <p:extLst>
       <p:ext uri="{BB962C8B-B14F-4D97-AF65-F5344CB8AC3E}">
         <p14:creationId xmlns:p14="http://schemas.microsoft.com/office/powerpoint/2010/main" val="911299770"/>
+      </p:ext>
+    </p:extLst>
+  </p:cSld>
+  <p:clrMapOvr>
+    <a:masterClrMapping/>
+  </p:clrMapOvr>
+</p:notes>
+</file>
+
+<file path=ppt/notesSlides/notesSlide5.xml><?xml version="1.0" encoding="utf-8"?>
+<p:notes xmlns:a="http://schemas.openxmlformats.org/drawingml/2006/main" xmlns:r="http://schemas.openxmlformats.org/officeDocument/2006/relationships" xmlns:p="http://schemas.openxmlformats.org/presentationml/2006/main">
+  <p:cSld>
+    <p:spTree>
+      <p:nvGrpSpPr>
+        <p:cNvPr id="1" name=""/>
+        <p:cNvGrpSpPr/>
+        <p:nvPr/>
+      </p:nvGrpSpPr>
+      <p:grpSpPr>
+        <a:xfrm>
+          <a:off x="0" y="0"/>
+          <a:ext cx="0" cy="0"/>
+          <a:chOff x="0" y="0"/>
+          <a:chExt cx="0" cy="0"/>
+        </a:xfrm>
+      </p:grpSpPr>
+      <p:sp>
+        <p:nvSpPr>
+          <p:cNvPr id="2" name="슬라이드 이미지 개체 틀 1"/>
+          <p:cNvSpPr>
+            <a:spLocks noGrp="1" noRot="1" noChangeAspect="1"/>
+          </p:cNvSpPr>
+          <p:nvPr>
+            <p:ph type="sldImg"/>
+          </p:nvPr>
+        </p:nvSpPr>
+        <p:spPr/>
+      </p:sp>
+      <p:sp>
+        <p:nvSpPr>
+          <p:cNvPr id="3" name="슬라이드 노트 개체 틀 2"/>
+          <p:cNvSpPr>
+            <a:spLocks noGrp="1"/>
+          </p:cNvSpPr>
+          <p:nvPr>
+            <p:ph type="body" idx="1"/>
+          </p:nvPr>
+        </p:nvSpPr>
+        <p:spPr/>
+        <p:txBody>
+          <a:bodyPr/>
+          <a:lstStyle/>
+          <a:p>
+            <a:endParaRPr lang="ko-KR" altLang="en-US" dirty="0"/>
+          </a:p>
+        </p:txBody>
+      </p:sp>
+      <p:sp>
+        <p:nvSpPr>
+          <p:cNvPr id="4" name="슬라이드 번호 개체 틀 3"/>
+          <p:cNvSpPr>
+            <a:spLocks noGrp="1"/>
+          </p:cNvSpPr>
+          <p:nvPr>
+            <p:ph type="sldNum" sz="quarter" idx="5"/>
+          </p:nvPr>
+        </p:nvSpPr>
+        <p:spPr/>
+        <p:txBody>
+          <a:bodyPr/>
+          <a:lstStyle/>
+          <a:p>
+            <a:fld id="{2CB6E87F-228F-44B2-B4EE-9BD47B249A9D}" type="slidenum">
+              <a:rPr lang="ko-KR" altLang="en-US" smtClean="0"/>
+              <a:t>15</a:t>
+            </a:fld>
+            <a:endParaRPr lang="ko-KR" altLang="en-US"/>
+          </a:p>
+        </p:txBody>
+      </p:sp>
+    </p:spTree>
+    <p:extLst>
+      <p:ext uri="{BB962C8B-B14F-4D97-AF65-F5344CB8AC3E}">
+        <p14:creationId xmlns:p14="http://schemas.microsoft.com/office/powerpoint/2010/main" val="1398831739"/>
       </p:ext>
     </p:extLst>
   </p:cSld>
@@ -2471,7 +2556,23 @@
                   <a:schemeClr val="tx2"/>
                 </a:solidFill>
               </a:rPr>
-              <a:t>내용 기반의 이름을 통해 </a:t>
+              <a:t>해당 </a:t>
+            </a:r>
+            <a:r>
+              <a:rPr lang="en-US" altLang="ko-KR" dirty="0">
+                <a:solidFill>
+                  <a:schemeClr val="tx2"/>
+                </a:solidFill>
+              </a:rPr>
+              <a:t>partitioning</a:t>
+            </a:r>
+            <a:r>
+              <a:rPr lang="ko-KR" altLang="en-US" dirty="0">
+                <a:solidFill>
+                  <a:schemeClr val="tx2"/>
+                </a:solidFill>
+              </a:rPr>
+              <a:t>을 통해 </a:t>
             </a:r>
             <a:r>
               <a:rPr lang="en-US" altLang="ko-KR" dirty="0">
@@ -3487,8 +3588,12 @@
           <a:lstStyle/>
           <a:p>
             <a:r>
-              <a:rPr lang="ko-KR" altLang="en-US" dirty="0"/>
-              <a:t>서버 수 증가에 따른 쿼리 실행 시간 감소</a:t>
+              <a:rPr lang="en-US" altLang="ko-KR" dirty="0"/>
+              <a:t>Storage</a:t>
+            </a:r>
+            <a:r>
+              <a:rPr lang="ko-KR" altLang="en-US" dirty="0"/>
+              <a:t> 서버 수 증가에 따른 쿼리 실행 시간 감소</a:t>
             </a:r>
             <a:endParaRPr lang="en-US" altLang="ko-KR" dirty="0"/>
           </a:p>
@@ -3539,7 +3644,27 @@
             <a:pPr lvl="1"/>
             <a:r>
               <a:rPr lang="ko-KR" altLang="en-US" dirty="0"/>
-              <a:t>오프로딩 결과 거의 오버헤드가 없음 </a:t>
+              <a:t>실행 시간은 크게 증가하지 않고</a:t>
+            </a:r>
+            <a:r>
+              <a:rPr lang="en-US" altLang="ko-KR" dirty="0"/>
+              <a:t>, client</a:t>
+            </a:r>
+            <a:r>
+              <a:rPr lang="ko-KR" altLang="en-US" dirty="0"/>
+              <a:t>의 </a:t>
+            </a:r>
+            <a:r>
+              <a:rPr lang="en-US" altLang="ko-KR" dirty="0"/>
+              <a:t>CPU </a:t>
+            </a:r>
+            <a:r>
+              <a:rPr lang="ko-KR" altLang="en-US" dirty="0" err="1"/>
+              <a:t>사용랑</a:t>
+            </a:r>
+            <a:r>
+              <a:rPr lang="ko-KR" altLang="en-US" dirty="0"/>
+              <a:t> 크게 감소 </a:t>
             </a:r>
           </a:p>
         </p:txBody>
@@ -3596,8 +3721,8 @@
         </p:blipFill>
         <p:spPr>
           <a:xfrm>
-            <a:off x="6096000" y="2482258"/>
-            <a:ext cx="5955534" cy="3983399"/>
+            <a:off x="2769870" y="3120390"/>
+            <a:ext cx="5955534" cy="3345267"/>
           </a:xfrm>
           <a:prstGeom prst="rect">
             <a:avLst/>
@@ -3634,12 +3759,42 @@
           <a:chExt cx="0" cy="0"/>
         </a:xfrm>
       </p:grpSpPr>
+      <p:pic>
+        <p:nvPicPr>
+          <p:cNvPr id="8" name="그림 7">
+            <a:extLst>
+              <a:ext uri="{FF2B5EF4-FFF2-40B4-BE49-F238E27FC236}">
+                <a16:creationId xmlns:a16="http://schemas.microsoft.com/office/drawing/2014/main" id="{6C485D75-9ED0-A0C1-600B-0F854C922140}"/>
+              </a:ext>
+            </a:extLst>
+          </p:cNvPr>
+          <p:cNvPicPr>
+            <a:picLocks noChangeAspect="1"/>
+          </p:cNvPicPr>
+          <p:nvPr/>
+        </p:nvPicPr>
+        <p:blipFill>
+          <a:blip r:embed="rId3"/>
+          <a:stretch>
+            <a:fillRect/>
+          </a:stretch>
+        </p:blipFill>
+        <p:spPr>
+          <a:xfrm>
+            <a:off x="1074420" y="2187115"/>
+            <a:ext cx="9118784" cy="4253734"/>
+          </a:xfrm>
+          <a:prstGeom prst="rect">
+            <a:avLst/>
+          </a:prstGeom>
+        </p:spPr>
+      </p:pic>
       <p:sp>
         <p:nvSpPr>
           <p:cNvPr id="2" name="제목 1">
             <a:extLst>
               <a:ext uri="{FF2B5EF4-FFF2-40B4-BE49-F238E27FC236}">
-                <a16:creationId xmlns:a16="http://schemas.microsoft.com/office/drawing/2014/main" id="{2BF19648-846F-DE62-A146-37E6A497522B}"/>
+                <a16:creationId xmlns:a16="http://schemas.microsoft.com/office/drawing/2014/main" id="{0D96F43B-D415-E378-19B9-C5A215C65409}"/>
               </a:ext>
             </a:extLst>
           </p:cNvPr>
@@ -3657,7 +3812,7 @@
           <a:p>
             <a:r>
               <a:rPr lang="en-US" altLang="ko-KR" dirty="0"/>
-              <a:t>Contents</a:t>
+              <a:t>Evaluation</a:t>
             </a:r>
             <a:endParaRPr lang="ko-KR" altLang="en-US" dirty="0"/>
           </a:p>
@@ -3668,7 +3823,7 @@
           <p:cNvPr id="3" name="내용 개체 틀 2">
             <a:extLst>
               <a:ext uri="{FF2B5EF4-FFF2-40B4-BE49-F238E27FC236}">
-                <a16:creationId xmlns:a16="http://schemas.microsoft.com/office/drawing/2014/main" id="{C20C649D-D00A-1B54-237B-9E4D6F440E96}"/>
+                <a16:creationId xmlns:a16="http://schemas.microsoft.com/office/drawing/2014/main" id="{198DFD62-59B9-77B9-203F-B5A509F168E7}"/>
               </a:ext>
             </a:extLst>
           </p:cNvPr>
@@ -3685,76 +3840,95 @@
           <a:lstStyle/>
           <a:p>
             <a:r>
-              <a:rPr lang="en-US" altLang="ko-KR" dirty="0">
-                <a:solidFill>
-                  <a:schemeClr val="bg2">
-                    <a:lumMod val="75000"/>
-                  </a:schemeClr>
-                </a:solidFill>
-              </a:rPr>
-              <a:t>Introduction</a:t>
-            </a:r>
-          </a:p>
-          <a:p>
-            <a:r>
-              <a:rPr lang="en-US" altLang="ko-KR" dirty="0">
-                <a:solidFill>
-                  <a:schemeClr val="bg2">
-                    <a:lumMod val="75000"/>
-                  </a:schemeClr>
-                </a:solidFill>
-              </a:rPr>
-              <a:t>Background</a:t>
-            </a:r>
-          </a:p>
-          <a:p>
-            <a:r>
-              <a:rPr lang="en-US" altLang="ko-KR" dirty="0" err="1">
-                <a:solidFill>
-                  <a:schemeClr val="bg2">
-                    <a:lumMod val="75000"/>
-                  </a:schemeClr>
-                </a:solidFill>
-              </a:rPr>
-              <a:t>SkyhookDM</a:t>
-            </a:r>
-            <a:r>
-              <a:rPr lang="en-US" altLang="ko-KR" dirty="0">
-                <a:solidFill>
-                  <a:schemeClr val="bg2">
-                    <a:lumMod val="75000"/>
-                  </a:schemeClr>
-                </a:solidFill>
-              </a:rPr>
-              <a:t> Architecture</a:t>
-            </a:r>
-          </a:p>
-          <a:p>
-            <a:r>
-              <a:rPr lang="en-US" altLang="ko-KR" dirty="0">
-                <a:solidFill>
-                  <a:schemeClr val="bg2">
-                    <a:lumMod val="75000"/>
-                  </a:schemeClr>
-                </a:solidFill>
-              </a:rPr>
-              <a:t>Evaluation</a:t>
-            </a:r>
-          </a:p>
-          <a:p>
-            <a:r>
-              <a:rPr lang="en-US" altLang="ko-KR" dirty="0">
-                <a:solidFill>
-                  <a:schemeClr val="tx2"/>
-                </a:solidFill>
-              </a:rPr>
-              <a:t>Conclusion</a:t>
-            </a:r>
-            <a:endParaRPr lang="ko-KR" altLang="en-US" dirty="0">
-              <a:solidFill>
-                <a:schemeClr val="tx2"/>
-              </a:solidFill>
-            </a:endParaRPr>
+              <a:rPr lang="en-US" altLang="ko-KR" dirty="0"/>
+              <a:t> CPU </a:t>
+            </a:r>
+            <a:r>
+              <a:rPr lang="ko-KR" altLang="en-US" dirty="0"/>
+              <a:t>사용률 </a:t>
+            </a:r>
+            <a:endParaRPr lang="en-US" altLang="ko-KR" dirty="0"/>
+          </a:p>
+          <a:p>
+            <a:pPr marL="804600" lvl="1" indent="-457200">
+              <a:buFont typeface="+mj-lt"/>
+              <a:buAutoNum type="arabicPeriod"/>
+            </a:pPr>
+            <a:r>
+              <a:rPr lang="en-US" altLang="ko-KR" dirty="0"/>
+              <a:t>Client</a:t>
+            </a:r>
+            <a:r>
+              <a:rPr lang="ko-KR" altLang="en-US" dirty="0"/>
+              <a:t>는 </a:t>
+            </a:r>
+            <a:r>
+              <a:rPr lang="en-US" altLang="ko-KR" dirty="0"/>
+              <a:t>Offloading</a:t>
+            </a:r>
+            <a:r>
+              <a:rPr lang="ko-KR" altLang="en-US" dirty="0"/>
+              <a:t>을 사용하지 않을 때 </a:t>
+            </a:r>
+            <a:r>
+              <a:rPr lang="en-US" altLang="ko-KR" dirty="0"/>
+              <a:t>5% </a:t>
+            </a:r>
+            <a:r>
+              <a:rPr lang="ko-KR" altLang="en-US" dirty="0"/>
+              <a:t>이상</a:t>
+            </a:r>
+            <a:r>
+              <a:rPr lang="en-US" altLang="ko-KR" dirty="0"/>
+              <a:t>, Offloading</a:t>
+            </a:r>
+            <a:r>
+              <a:rPr lang="ko-KR" altLang="en-US" dirty="0"/>
+              <a:t>을 사용시 거의 </a:t>
+            </a:r>
+            <a:r>
+              <a:rPr lang="en-US" altLang="ko-KR" dirty="0"/>
+              <a:t>0%</a:t>
+            </a:r>
+          </a:p>
+          <a:p>
+            <a:pPr marL="804600" lvl="1" indent="-457200">
+              <a:buFont typeface="+mj-lt"/>
+              <a:buAutoNum type="arabicPeriod"/>
+            </a:pPr>
+            <a:r>
+              <a:rPr lang="en-US" altLang="ko-KR" dirty="0"/>
+              <a:t>Storage</a:t>
+            </a:r>
+            <a:r>
+              <a:rPr lang="ko-KR" altLang="en-US" dirty="0"/>
+              <a:t> </a:t>
+            </a:r>
+            <a:r>
+              <a:rPr lang="en-US" altLang="ko-KR" dirty="0"/>
+              <a:t>machine</a:t>
+            </a:r>
+            <a:r>
+              <a:rPr lang="ko-KR" altLang="en-US" dirty="0"/>
+              <a:t>은 </a:t>
+            </a:r>
+            <a:r>
+              <a:rPr lang="en-US" altLang="ko-KR" dirty="0"/>
+              <a:t>offloading</a:t>
+            </a:r>
+            <a:r>
+              <a:rPr lang="ko-KR" altLang="en-US" dirty="0"/>
+              <a:t>을 사용 시 </a:t>
+            </a:r>
+            <a:r>
+              <a:rPr lang="en-US" altLang="ko-KR" dirty="0"/>
+              <a:t>CPU </a:t>
+            </a:r>
+            <a:r>
+              <a:rPr lang="ko-KR" altLang="en-US" dirty="0"/>
+              <a:t>사용량 증가 </a:t>
+            </a:r>
+            <a:endParaRPr lang="en-US" altLang="ko-KR" dirty="0"/>
           </a:p>
         </p:txBody>
       </p:sp>
@@ -3763,7 +3937,7 @@
           <p:cNvPr id="4" name="슬라이드 번호 개체 틀 3">
             <a:extLst>
               <a:ext uri="{FF2B5EF4-FFF2-40B4-BE49-F238E27FC236}">
-                <a16:creationId xmlns:a16="http://schemas.microsoft.com/office/drawing/2014/main" id="{BB7D28B0-6181-614A-5C37-5A649A75544C}"/>
+                <a16:creationId xmlns:a16="http://schemas.microsoft.com/office/drawing/2014/main" id="{87EC3EE1-6B43-84F4-C6A6-8A9DD2CB7A66}"/>
               </a:ext>
             </a:extLst>
           </p:cNvPr>
@@ -3788,16 +3962,323 @@
           </a:p>
         </p:txBody>
       </p:sp>
+      <p:sp>
+        <p:nvSpPr>
+          <p:cNvPr id="11" name="직사각형 10">
+            <a:extLst>
+              <a:ext uri="{FF2B5EF4-FFF2-40B4-BE49-F238E27FC236}">
+                <a16:creationId xmlns:a16="http://schemas.microsoft.com/office/drawing/2014/main" id="{2DD4B342-A673-E990-8A60-B65679723E94}"/>
+              </a:ext>
+            </a:extLst>
+          </p:cNvPr>
+          <p:cNvSpPr/>
+          <p:nvPr/>
+        </p:nvSpPr>
+        <p:spPr>
+          <a:xfrm>
+            <a:off x="2406106" y="2458538"/>
+            <a:ext cx="3183164" cy="3675563"/>
+          </a:xfrm>
+          <a:prstGeom prst="rect">
+            <a:avLst/>
+          </a:prstGeom>
+          <a:noFill/>
+          <a:ln w="28575">
+            <a:solidFill>
+              <a:srgbClr val="FF0000"/>
+            </a:solidFill>
+          </a:ln>
+        </p:spPr>
+        <p:style>
+          <a:lnRef idx="2">
+            <a:schemeClr val="accent1">
+              <a:shade val="50000"/>
+            </a:schemeClr>
+          </a:lnRef>
+          <a:fillRef idx="1">
+            <a:schemeClr val="accent1"/>
+          </a:fillRef>
+          <a:effectRef idx="0">
+            <a:schemeClr val="accent1"/>
+          </a:effectRef>
+          <a:fontRef idx="minor">
+            <a:schemeClr val="lt1"/>
+          </a:fontRef>
+        </p:style>
+        <p:txBody>
+          <a:bodyPr rtlCol="0" anchor="t" anchorCtr="0"/>
+          <a:lstStyle/>
+          <a:p>
+            <a:r>
+              <a:rPr lang="en-US" altLang="ko-KR" dirty="0">
+                <a:solidFill>
+                  <a:srgbClr val="FF0000"/>
+                </a:solidFill>
+              </a:rPr>
+              <a:t>1.</a:t>
+            </a:r>
+            <a:endParaRPr lang="ko-KR" altLang="en-US" dirty="0">
+              <a:solidFill>
+                <a:srgbClr val="FF0000"/>
+              </a:solidFill>
+            </a:endParaRPr>
+          </a:p>
+        </p:txBody>
+      </p:sp>
+      <p:sp>
+        <p:nvSpPr>
+          <p:cNvPr id="12" name="직사각형 11">
+            <a:extLst>
+              <a:ext uri="{FF2B5EF4-FFF2-40B4-BE49-F238E27FC236}">
+                <a16:creationId xmlns:a16="http://schemas.microsoft.com/office/drawing/2014/main" id="{3DAFD090-BC44-744F-409F-ED95685BB1FD}"/>
+              </a:ext>
+            </a:extLst>
+          </p:cNvPr>
+          <p:cNvSpPr/>
+          <p:nvPr/>
+        </p:nvSpPr>
+        <p:spPr>
+          <a:xfrm>
+            <a:off x="5633812" y="2458538"/>
+            <a:ext cx="3183164" cy="3675563"/>
+          </a:xfrm>
+          <a:prstGeom prst="rect">
+            <a:avLst/>
+          </a:prstGeom>
+          <a:noFill/>
+          <a:ln w="28575">
+            <a:solidFill>
+              <a:srgbClr val="FF0000"/>
+            </a:solidFill>
+          </a:ln>
+        </p:spPr>
+        <p:style>
+          <a:lnRef idx="2">
+            <a:schemeClr val="accent1">
+              <a:shade val="50000"/>
+            </a:schemeClr>
+          </a:lnRef>
+          <a:fillRef idx="1">
+            <a:schemeClr val="accent1"/>
+          </a:fillRef>
+          <a:effectRef idx="0">
+            <a:schemeClr val="accent1"/>
+          </a:effectRef>
+          <a:fontRef idx="minor">
+            <a:schemeClr val="lt1"/>
+          </a:fontRef>
+        </p:style>
+        <p:txBody>
+          <a:bodyPr rtlCol="0" anchor="t" anchorCtr="0"/>
+          <a:lstStyle/>
+          <a:p>
+            <a:r>
+              <a:rPr lang="en-US" altLang="ko-KR" dirty="0">
+                <a:solidFill>
+                  <a:srgbClr val="FF0000"/>
+                </a:solidFill>
+              </a:rPr>
+              <a:t>2.</a:t>
+            </a:r>
+            <a:endParaRPr lang="ko-KR" altLang="en-US" dirty="0">
+              <a:solidFill>
+                <a:srgbClr val="FF0000"/>
+              </a:solidFill>
+            </a:endParaRPr>
+          </a:p>
+        </p:txBody>
+      </p:sp>
     </p:spTree>
     <p:extLst>
       <p:ext uri="{BB962C8B-B14F-4D97-AF65-F5344CB8AC3E}">
-        <p14:creationId xmlns:p14="http://schemas.microsoft.com/office/powerpoint/2010/main" val="872888639"/>
+        <p14:creationId xmlns:p14="http://schemas.microsoft.com/office/powerpoint/2010/main" val="3558763713"/>
       </p:ext>
     </p:extLst>
   </p:cSld>
   <p:clrMapOvr>
     <a:masterClrMapping/>
   </p:clrMapOvr>
+  <p:timing>
+    <p:tnLst>
+      <p:par>
+        <p:cTn id="1" dur="indefinite" restart="never" nodeType="tmRoot">
+          <p:childTnLst>
+            <p:seq concurrent="1" nextAc="seek">
+              <p:cTn id="2" dur="indefinite" nodeType="mainSeq">
+                <p:childTnLst>
+                  <p:par>
+                    <p:cTn id="3" fill="hold">
+                      <p:stCondLst>
+                        <p:cond delay="indefinite"/>
+                        <p:cond evt="onBegin" delay="0">
+                          <p:tn val="2"/>
+                        </p:cond>
+                      </p:stCondLst>
+                      <p:childTnLst>
+                        <p:par>
+                          <p:cTn id="4" fill="hold">
+                            <p:stCondLst>
+                              <p:cond delay="0"/>
+                            </p:stCondLst>
+                            <p:childTnLst>
+                              <p:par>
+                                <p:cTn id="5" presetID="10" presetClass="entr" presetSubtype="0" fill="hold" grpId="0" nodeType="withEffect">
+                                  <p:stCondLst>
+                                    <p:cond delay="0"/>
+                                  </p:stCondLst>
+                                  <p:childTnLst>
+                                    <p:set>
+                                      <p:cBhvr>
+                                        <p:cTn id="6" dur="1" fill="hold">
+                                          <p:stCondLst>
+                                            <p:cond delay="0"/>
+                                          </p:stCondLst>
+                                        </p:cTn>
+                                        <p:tgtEl>
+                                          <p:spTgt spid="11"/>
+                                        </p:tgtEl>
+                                        <p:attrNameLst>
+                                          <p:attrName>style.visibility</p:attrName>
+                                        </p:attrNameLst>
+                                      </p:cBhvr>
+                                      <p:to>
+                                        <p:strVal val="visible"/>
+                                      </p:to>
+                                    </p:set>
+                                    <p:animEffect transition="in" filter="fade">
+                                      <p:cBhvr>
+                                        <p:cTn id="7" dur="250"/>
+                                        <p:tgtEl>
+                                          <p:spTgt spid="11"/>
+                                        </p:tgtEl>
+                                      </p:cBhvr>
+                                    </p:animEffect>
+                                  </p:childTnLst>
+                                </p:cTn>
+                              </p:par>
+                              <p:par>
+                                <p:cTn id="8" presetID="1" presetClass="exit" presetSubtype="0" fill="hold" grpId="1" nodeType="withEffect">
+                                  <p:stCondLst>
+                                    <p:cond delay="0"/>
+                                  </p:stCondLst>
+                                  <p:childTnLst>
+                                    <p:set>
+                                      <p:cBhvr>
+                                        <p:cTn id="9" dur="1" fill="hold">
+                                          <p:stCondLst>
+                                            <p:cond delay="0"/>
+                                          </p:stCondLst>
+                                        </p:cTn>
+                                        <p:tgtEl>
+                                          <p:spTgt spid="11"/>
+                                        </p:tgtEl>
+                                        <p:attrNameLst>
+                                          <p:attrName>style.visibility</p:attrName>
+                                        </p:attrNameLst>
+                                      </p:cBhvr>
+                                      <p:to>
+                                        <p:strVal val="hidden"/>
+                                      </p:to>
+                                    </p:set>
+                                  </p:childTnLst>
+                                </p:cTn>
+                              </p:par>
+                              <p:par>
+                                <p:cTn id="10" presetID="10" presetClass="entr" presetSubtype="0" fill="hold" grpId="0" nodeType="withEffect">
+                                  <p:stCondLst>
+                                    <p:cond delay="0"/>
+                                  </p:stCondLst>
+                                  <p:childTnLst>
+                                    <p:set>
+                                      <p:cBhvr>
+                                        <p:cTn id="11" dur="1" fill="hold">
+                                          <p:stCondLst>
+                                            <p:cond delay="0"/>
+                                          </p:stCondLst>
+                                        </p:cTn>
+                                        <p:tgtEl>
+                                          <p:spTgt spid="12"/>
+                                        </p:tgtEl>
+                                        <p:attrNameLst>
+                                          <p:attrName>style.visibility</p:attrName>
+                                        </p:attrNameLst>
+                                      </p:cBhvr>
+                                      <p:to>
+                                        <p:strVal val="visible"/>
+                                      </p:to>
+                                    </p:set>
+                                    <p:animEffect transition="in" filter="fade">
+                                      <p:cBhvr>
+                                        <p:cTn id="12" dur="250"/>
+                                        <p:tgtEl>
+                                          <p:spTgt spid="12"/>
+                                        </p:tgtEl>
+                                      </p:cBhvr>
+                                    </p:animEffect>
+                                  </p:childTnLst>
+                                </p:cTn>
+                              </p:par>
+                              <p:par>
+                                <p:cTn id="13" presetID="1" presetClass="exit" presetSubtype="0" fill="hold" grpId="1" nodeType="withEffect">
+                                  <p:stCondLst>
+                                    <p:cond delay="0"/>
+                                  </p:stCondLst>
+                                  <p:childTnLst>
+                                    <p:set>
+                                      <p:cBhvr>
+                                        <p:cTn id="14" dur="1" fill="hold">
+                                          <p:stCondLst>
+                                            <p:cond delay="0"/>
+                                          </p:stCondLst>
+                                        </p:cTn>
+                                        <p:tgtEl>
+                                          <p:spTgt spid="12"/>
+                                        </p:tgtEl>
+                                        <p:attrNameLst>
+                                          <p:attrName>style.visibility</p:attrName>
+                                        </p:attrNameLst>
+                                      </p:cBhvr>
+                                      <p:to>
+                                        <p:strVal val="hidden"/>
+                                      </p:to>
+                                    </p:set>
+                                  </p:childTnLst>
+                                </p:cTn>
+                              </p:par>
+                            </p:childTnLst>
+                          </p:cTn>
+                        </p:par>
+                      </p:childTnLst>
+                    </p:cTn>
+                  </p:par>
+                </p:childTnLst>
+              </p:cTn>
+              <p:prevCondLst>
+                <p:cond evt="onPrev" delay="0">
+                  <p:tgtEl>
+                    <p:sldTgt/>
+                  </p:tgtEl>
+                </p:cond>
+              </p:prevCondLst>
+              <p:nextCondLst>
+                <p:cond evt="onNext" delay="0">
+                  <p:tgtEl>
+                    <p:sldTgt/>
+                  </p:tgtEl>
+                </p:cond>
+              </p:nextCondLst>
+            </p:seq>
+          </p:childTnLst>
+        </p:cTn>
+      </p:par>
+    </p:tnLst>
+    <p:bldLst>
+      <p:bldP spid="11" grpId="0" animBg="1"/>
+      <p:bldP spid="11" grpId="1" animBg="1"/>
+      <p:bldP spid="12" grpId="0" animBg="1"/>
+      <p:bldP spid="12" grpId="1" animBg="1"/>
+    </p:bldLst>
+  </p:timing>
 </p:sld>
 </file>
 
@@ -3823,6 +4304,190 @@
           <p:cNvPr id="2" name="제목 1">
             <a:extLst>
               <a:ext uri="{FF2B5EF4-FFF2-40B4-BE49-F238E27FC236}">
+                <a16:creationId xmlns:a16="http://schemas.microsoft.com/office/drawing/2014/main" id="{2BF19648-846F-DE62-A146-37E6A497522B}"/>
+              </a:ext>
+            </a:extLst>
+          </p:cNvPr>
+          <p:cNvSpPr>
+            <a:spLocks noGrp="1"/>
+          </p:cNvSpPr>
+          <p:nvPr>
+            <p:ph type="title"/>
+          </p:nvPr>
+        </p:nvSpPr>
+        <p:spPr/>
+        <p:txBody>
+          <a:bodyPr/>
+          <a:lstStyle/>
+          <a:p>
+            <a:r>
+              <a:rPr lang="en-US" altLang="ko-KR" dirty="0"/>
+              <a:t>Contents</a:t>
+            </a:r>
+            <a:endParaRPr lang="ko-KR" altLang="en-US" dirty="0"/>
+          </a:p>
+        </p:txBody>
+      </p:sp>
+      <p:sp>
+        <p:nvSpPr>
+          <p:cNvPr id="3" name="내용 개체 틀 2">
+            <a:extLst>
+              <a:ext uri="{FF2B5EF4-FFF2-40B4-BE49-F238E27FC236}">
+                <a16:creationId xmlns:a16="http://schemas.microsoft.com/office/drawing/2014/main" id="{C20C649D-D00A-1B54-237B-9E4D6F440E96}"/>
+              </a:ext>
+            </a:extLst>
+          </p:cNvPr>
+          <p:cNvSpPr>
+            <a:spLocks noGrp="1"/>
+          </p:cNvSpPr>
+          <p:nvPr>
+            <p:ph idx="1"/>
+          </p:nvPr>
+        </p:nvSpPr>
+        <p:spPr/>
+        <p:txBody>
+          <a:bodyPr/>
+          <a:lstStyle/>
+          <a:p>
+            <a:r>
+              <a:rPr lang="en-US" altLang="ko-KR" dirty="0">
+                <a:solidFill>
+                  <a:schemeClr val="bg2">
+                    <a:lumMod val="75000"/>
+                  </a:schemeClr>
+                </a:solidFill>
+              </a:rPr>
+              <a:t>Introduction</a:t>
+            </a:r>
+          </a:p>
+          <a:p>
+            <a:r>
+              <a:rPr lang="en-US" altLang="ko-KR" dirty="0">
+                <a:solidFill>
+                  <a:schemeClr val="bg2">
+                    <a:lumMod val="75000"/>
+                  </a:schemeClr>
+                </a:solidFill>
+              </a:rPr>
+              <a:t>Background</a:t>
+            </a:r>
+          </a:p>
+          <a:p>
+            <a:r>
+              <a:rPr lang="en-US" altLang="ko-KR" dirty="0" err="1">
+                <a:solidFill>
+                  <a:schemeClr val="bg2">
+                    <a:lumMod val="75000"/>
+                  </a:schemeClr>
+                </a:solidFill>
+              </a:rPr>
+              <a:t>SkyhookDM</a:t>
+            </a:r>
+            <a:r>
+              <a:rPr lang="en-US" altLang="ko-KR" dirty="0">
+                <a:solidFill>
+                  <a:schemeClr val="bg2">
+                    <a:lumMod val="75000"/>
+                  </a:schemeClr>
+                </a:solidFill>
+              </a:rPr>
+              <a:t> Architecture</a:t>
+            </a:r>
+          </a:p>
+          <a:p>
+            <a:r>
+              <a:rPr lang="en-US" altLang="ko-KR" dirty="0">
+                <a:solidFill>
+                  <a:schemeClr val="bg2">
+                    <a:lumMod val="75000"/>
+                  </a:schemeClr>
+                </a:solidFill>
+              </a:rPr>
+              <a:t>Evaluation</a:t>
+            </a:r>
+          </a:p>
+          <a:p>
+            <a:r>
+              <a:rPr lang="en-US" altLang="ko-KR" dirty="0">
+                <a:solidFill>
+                  <a:schemeClr val="tx2"/>
+                </a:solidFill>
+              </a:rPr>
+              <a:t>Conclusion</a:t>
+            </a:r>
+            <a:endParaRPr lang="ko-KR" altLang="en-US" dirty="0">
+              <a:solidFill>
+                <a:schemeClr val="tx2"/>
+              </a:solidFill>
+            </a:endParaRPr>
+          </a:p>
+        </p:txBody>
+      </p:sp>
+      <p:sp>
+        <p:nvSpPr>
+          <p:cNvPr id="4" name="슬라이드 번호 개체 틀 3">
+            <a:extLst>
+              <a:ext uri="{FF2B5EF4-FFF2-40B4-BE49-F238E27FC236}">
+                <a16:creationId xmlns:a16="http://schemas.microsoft.com/office/drawing/2014/main" id="{BB7D28B0-6181-614A-5C37-5A649A75544C}"/>
+              </a:ext>
+            </a:extLst>
+          </p:cNvPr>
+          <p:cNvSpPr>
+            <a:spLocks noGrp="1"/>
+          </p:cNvSpPr>
+          <p:nvPr>
+            <p:ph type="sldNum" sz="quarter" idx="4"/>
+          </p:nvPr>
+        </p:nvSpPr>
+        <p:spPr/>
+        <p:txBody>
+          <a:bodyPr/>
+          <a:lstStyle/>
+          <a:p>
+            <a:fld id="{765CECA1-5C9B-4693-A1BD-3F65156FCD02}" type="slidenum">
+              <a:rPr lang="ko-KR" altLang="en-US" smtClean="0"/>
+              <a:pPr/>
+              <a:t>16</a:t>
+            </a:fld>
+            <a:endParaRPr lang="ko-KR" altLang="en-US"/>
+          </a:p>
+        </p:txBody>
+      </p:sp>
+    </p:spTree>
+    <p:extLst>
+      <p:ext uri="{BB962C8B-B14F-4D97-AF65-F5344CB8AC3E}">
+        <p14:creationId xmlns:p14="http://schemas.microsoft.com/office/powerpoint/2010/main" val="872888639"/>
+      </p:ext>
+    </p:extLst>
+  </p:cSld>
+  <p:clrMapOvr>
+    <a:masterClrMapping/>
+  </p:clrMapOvr>
+</p:sld>
+</file>
+
+<file path=ppt/slides/slide17.xml><?xml version="1.0" encoding="utf-8"?>
+<p:sld xmlns:a="http://schemas.openxmlformats.org/drawingml/2006/main" xmlns:r="http://schemas.openxmlformats.org/officeDocument/2006/relationships" xmlns:p="http://schemas.openxmlformats.org/presentationml/2006/main">
+  <p:cSld>
+    <p:spTree>
+      <p:nvGrpSpPr>
+        <p:cNvPr id="1" name=""/>
+        <p:cNvGrpSpPr/>
+        <p:nvPr/>
+      </p:nvGrpSpPr>
+      <p:grpSpPr>
+        <a:xfrm>
+          <a:off x="0" y="0"/>
+          <a:ext cx="0" cy="0"/>
+          <a:chOff x="0" y="0"/>
+          <a:chExt cx="0" cy="0"/>
+        </a:xfrm>
+      </p:grpSpPr>
+      <p:sp>
+        <p:nvSpPr>
+          <p:cNvPr id="2" name="제목 1">
+            <a:extLst>
+              <a:ext uri="{FF2B5EF4-FFF2-40B4-BE49-F238E27FC236}">
                 <a16:creationId xmlns:a16="http://schemas.microsoft.com/office/drawing/2014/main" id="{550D5A89-E2A0-7BFE-1286-E94AA97FF3E2}"/>
               </a:ext>
             </a:extLst>
@@ -3946,7 +4611,7 @@
             <a:fld id="{765CECA1-5C9B-4693-A1BD-3F65156FCD02}" type="slidenum">
               <a:rPr lang="ko-KR" altLang="en-US" smtClean="0"/>
               <a:pPr/>
-              <a:t>16</a:t>
+              <a:t>17</a:t>
             </a:fld>
             <a:endParaRPr lang="ko-KR" altLang="en-US"/>
           </a:p>
@@ -6428,11 +7093,7 @@
             </a:pPr>
             <a:r>
               <a:rPr lang="en-US" altLang="ko-KR" sz="2000" dirty="0"/>
-              <a:t>local </a:t>
-            </a:r>
-            <a:r>
-              <a:rPr lang="en-US" altLang="ko-KR" sz="2000" dirty="0" err="1"/>
-              <a:t>processin</a:t>
+              <a:t>local processing</a:t>
             </a:r>
             <a:r>
               <a:rPr lang="ko-KR" altLang="en-US" sz="2000" dirty="0"/>
@@ -7897,15 +8558,6 @@
 </file>
 
 <file path=customXml/item2.xml><?xml version="1.0" encoding="utf-8"?>
-<?mso-contentType ?>
-<FormTemplates xmlns="http://schemas.microsoft.com/sharepoint/v3/contenttype/forms">
-  <Display>DocumentLibraryForm</Display>
-  <Edit>DocumentLibraryForm</Edit>
-  <New>DocumentLibraryForm</New>
-</FormTemplates>
-</file>
-
-<file path=customXml/item3.xml><?xml version="1.0" encoding="utf-8"?>
 <ct:contentTypeSchema xmlns:ct="http://schemas.microsoft.com/office/2006/metadata/contentType" xmlns:ma="http://schemas.microsoft.com/office/2006/metadata/properties/metaAttributes" ct:_="" ma:_="" ma:contentTypeName="문서" ma:contentTypeID="0x010100DC3CAA936AD12E4BA671A9B15810B9C7" ma:contentTypeVersion="4" ma:contentTypeDescription="새 문서를 만듭니다." ma:contentTypeScope="" ma:versionID="bafdae5d98c8c88988e9b2d2d95195b7">
   <xsd:schema xmlns:xsd="http://www.w3.org/2001/XMLSchema" xmlns:xs="http://www.w3.org/2001/XMLSchema" xmlns:p="http://schemas.microsoft.com/office/2006/metadata/properties" xmlns:ns3="7673c17b-b18f-47f9-804f-a397dddebb19" targetNamespace="http://schemas.microsoft.com/office/2006/metadata/properties" ma:root="true" ma:fieldsID="c4807a4e0df3c0fcbaad5699f622c597" ns3:_="">
     <xsd:import namespace="7673c17b-b18f-47f9-804f-a397dddebb19"/>
@@ -8051,6 +8703,15 @@
 </ct:contentTypeSchema>
 </file>
 
+<file path=customXml/item3.xml><?xml version="1.0" encoding="utf-8"?>
+<?mso-contentType ?>
+<FormTemplates xmlns="http://schemas.microsoft.com/sharepoint/v3/contenttype/forms">
+  <Display>DocumentLibraryForm</Display>
+  <Edit>DocumentLibraryForm</Edit>
+  <New>DocumentLibraryForm</New>
+</FormTemplates>
+</file>
+
 <file path=customXml/itemProps1.xml><?xml version="1.0" encoding="utf-8"?>
 <ds:datastoreItem xmlns:ds="http://schemas.openxmlformats.org/officeDocument/2006/customXml" ds:itemID="{ED3730AB-E161-45AD-BBCF-0F12BB7EA236}">
   <ds:schemaRefs>
@@ -8068,14 +8729,6 @@
 </file>
 
 <file path=customXml/itemProps2.xml><?xml version="1.0" encoding="utf-8"?>
-<ds:datastoreItem xmlns:ds="http://schemas.openxmlformats.org/officeDocument/2006/customXml" ds:itemID="{B4439D84-3CAD-489C-8F3A-67CA25FC743C}">
-  <ds:schemaRefs>
-    <ds:schemaRef ds:uri="http://schemas.microsoft.com/sharepoint/v3/contenttype/forms"/>
-  </ds:schemaRefs>
-</ds:datastoreItem>
-</file>
-
-<file path=customXml/itemProps3.xml><?xml version="1.0" encoding="utf-8"?>
 <ds:datastoreItem xmlns:ds="http://schemas.openxmlformats.org/officeDocument/2006/customXml" ds:itemID="{58FA0536-1479-4F16-8407-45F3DC1607F3}">
   <ds:schemaRefs>
     <ds:schemaRef ds:uri="http://schemas.microsoft.com/office/2006/metadata/contentType"/>
@@ -8091,4 +8744,12 @@
     <ds:schemaRef ds:uri="http://schemas.microsoft.com/internal/obd"/>
   </ds:schemaRefs>
 </ds:datastoreItem>
+</file>
+
+<file path=customXml/itemProps3.xml><?xml version="1.0" encoding="utf-8"?>
+<ds:datastoreItem xmlns:ds="http://schemas.openxmlformats.org/officeDocument/2006/customXml" ds:itemID="{B4439D84-3CAD-489C-8F3A-67CA25FC743C}">
+  <ds:schemaRefs>
+    <ds:schemaRef ds:uri="http://schemas.microsoft.com/sharepoint/v3/contenttype/forms"/>
+  </ds:schemaRefs>
+</ds:datastoreItem>
 </file>